--- a/Unity/BlackVenus(進行中)/BlackVenus-UI.pptx
+++ b/Unity/BlackVenus(進行中)/BlackVenus-UI.pptx
@@ -351,7 +351,7 @@
           <a:p>
             <a:fld id="{2069C06D-4ED8-42C6-905D-CA84CA1B6CBF}" type="datetime2">
               <a:rPr lang="en-US" smtClean="0"/>
-              <a:t>Sunday, September 8, 2019</a:t>
+              <a:t>Saturday, September 28, 2019</a:t>
             </a:fld>
             <a:endParaRPr lang="en-US" dirty="0"/>
           </a:p>
@@ -522,7 +522,7 @@
           <a:p>
             <a:fld id="{A56EEE0E-EDB0-4D84-86B0-50833DF22902}" type="datetime2">
               <a:rPr lang="en-US" smtClean="0"/>
-              <a:t>Sunday, September 8, 2019</a:t>
+              <a:t>Saturday, September 28, 2019</a:t>
             </a:fld>
             <a:endParaRPr lang="en-US"/>
           </a:p>
@@ -698,7 +698,7 @@
           <a:p>
             <a:fld id="{5114372C-B5AB-4C39-B273-B99224EB4DD5}" type="datetime2">
               <a:rPr lang="en-US" smtClean="0"/>
-              <a:t>Sunday, September 8, 2019</a:t>
+              <a:t>Saturday, September 28, 2019</a:t>
             </a:fld>
             <a:endParaRPr lang="en-US"/>
           </a:p>
@@ -864,7 +864,7 @@
           <a:p>
             <a:fld id="{14CB1CAA-32CD-4B55-B92A-B8F0843CACF4}" type="datetime2">
               <a:rPr lang="en-US" smtClean="0"/>
-              <a:t>Sunday, September 8, 2019</a:t>
+              <a:t>Saturday, September 28, 2019</a:t>
             </a:fld>
             <a:endParaRPr lang="en-US" dirty="0"/>
           </a:p>
@@ -1122,7 +1122,7 @@
           <a:p>
             <a:fld id="{3AD8CDC4-3D19-4983-B478-82F6B8E5AB66}" type="datetime2">
               <a:rPr lang="en-US" smtClean="0"/>
-              <a:t>Sunday, September 8, 2019</a:t>
+              <a:t>Saturday, September 28, 2019</a:t>
             </a:fld>
             <a:endParaRPr lang="en-US" dirty="0"/>
           </a:p>
@@ -1263,7 +1263,7 @@
           <a:p>
             <a:fld id="{84B82477-D5D3-4181-8C11-75D0F2433A87}" type="datetime2">
               <a:rPr lang="en-US" smtClean="0"/>
-              <a:t>Sunday, September 8, 2019</a:t>
+              <a:t>Saturday, September 28, 2019</a:t>
             </a:fld>
             <a:endParaRPr lang="en-US" dirty="0"/>
           </a:p>
@@ -1914,7 +1914,7 @@
           <a:p>
             <a:fld id="{213E253B-1893-4367-8BAE-DF4BC10DC578}" type="datetime2">
               <a:rPr lang="en-US" smtClean="0"/>
-              <a:t>Sunday, September 8, 2019</a:t>
+              <a:t>Saturday, September 28, 2019</a:t>
             </a:fld>
             <a:endParaRPr lang="en-US" dirty="0"/>
           </a:p>
@@ -2028,7 +2028,7 @@
           <a:p>
             <a:fld id="{8B62300D-25B3-4603-86C9-4CB776489F00}" type="datetime2">
               <a:rPr lang="en-US" smtClean="0"/>
-              <a:t>Sunday, September 8, 2019</a:t>
+              <a:t>Saturday, September 28, 2019</a:t>
             </a:fld>
             <a:endParaRPr lang="en-US" dirty="0"/>
           </a:p>
@@ -2119,7 +2119,7 @@
           <a:p>
             <a:fld id="{C6314AD9-FCC8-48B7-B85B-012A91320DFF}" type="datetime2">
               <a:rPr lang="en-US" smtClean="0"/>
-              <a:t>Sunday, September 8, 2019</a:t>
+              <a:t>Saturday, September 28, 2019</a:t>
             </a:fld>
             <a:endParaRPr lang="en-US" dirty="0"/>
           </a:p>
@@ -2410,7 +2410,7 @@
           <a:p>
             <a:fld id="{3182DC50-D5DB-4F94-B367-9876CD2C4012}" type="datetime2">
               <a:rPr lang="en-US" smtClean="0"/>
-              <a:t>Sunday, September 8, 2019</a:t>
+              <a:t>Saturday, September 28, 2019</a:t>
             </a:fld>
             <a:endParaRPr lang="en-US" dirty="0"/>
           </a:p>
@@ -2734,7 +2734,7 @@
           <a:p>
             <a:fld id="{292EB412-E790-42EA-81FE-2925D3A43D91}" type="datetime2">
               <a:rPr lang="en-US" smtClean="0"/>
-              <a:t>Sunday, September 8, 2019</a:t>
+              <a:t>Saturday, September 28, 2019</a:t>
             </a:fld>
             <a:endParaRPr lang="en-US" dirty="0"/>
           </a:p>
@@ -3192,7 +3192,7 @@
           <a:p>
             <a:fld id="{0B385921-A91A-409C-921C-0E0EC1E750EC}" type="datetime2">
               <a:rPr lang="en-US" smtClean="0"/>
-              <a:t>Sunday, September 8, 2019</a:t>
+              <a:t>Saturday, September 28, 2019</a:t>
             </a:fld>
             <a:endParaRPr lang="en-US" dirty="0"/>
           </a:p>
@@ -3882,11 +3882,7 @@
           <a:p>
             <a:r>
               <a:rPr lang="en-US" altLang="ko-KR" dirty="0" smtClean="0"/>
-              <a:t>	</a:t>
-            </a:r>
-            <a:r>
-              <a:rPr lang="en-US" altLang="ko-KR" dirty="0" smtClean="0"/>
-              <a:t>- </a:t>
+              <a:t>	- </a:t>
             </a:r>
             <a:r>
               <a:rPr lang="ja-JP" altLang="en-US" dirty="0" smtClean="0"/>
@@ -3928,11 +3924,7 @@
           <a:p>
             <a:r>
               <a:rPr lang="en-US" altLang="ko-KR" dirty="0" smtClean="0"/>
-              <a:t>	</a:t>
-            </a:r>
-            <a:r>
-              <a:rPr lang="en-US" altLang="ko-KR" dirty="0" smtClean="0"/>
-              <a:t>- </a:t>
+              <a:t>	- </a:t>
             </a:r>
             <a:r>
               <a:rPr lang="ja-JP" altLang="en-US" b="1" dirty="0" smtClean="0"/>
@@ -3984,8 +3976,8 @@
           <a:lstStyle/>
           <a:p>
             <a:r>
-              <a:rPr lang="ko-KR" altLang="en-US" sz="3200" dirty="0" smtClean="0"/>
-              <a:t>목차</a:t>
+              <a:rPr lang="ko-KR" altLang="en-US" sz="3200" dirty="0"/>
+              <a:t>目次</a:t>
             </a:r>
             <a:endParaRPr lang="en-US" altLang="ko-KR" sz="3200" dirty="0" smtClean="0"/>
           </a:p>
@@ -4052,11 +4044,7 @@
           <a:p>
             <a:r>
               <a:rPr lang="en-US" altLang="ko-KR" dirty="0" smtClean="0"/>
-              <a:t>1</a:t>
-            </a:r>
-            <a:r>
-              <a:rPr lang="en-US" altLang="ko-KR" dirty="0" smtClean="0"/>
-              <a:t>. </a:t>
+              <a:t>1. </a:t>
             </a:r>
             <a:r>
               <a:rPr lang="ja-JP" altLang="en-US" sz="3200" dirty="0" smtClean="0"/>
@@ -4573,10 +4561,6 @@
               <a:rPr lang="ja-JP" altLang="en-US" dirty="0"/>
               <a:t>商店の形</a:t>
             </a:r>
-            <a:r>
-              <a:rPr lang="ja-JP" altLang="en-US" dirty="0"/>
-              <a:t/>
-            </a:r>
             <a:br>
               <a:rPr lang="ja-JP" altLang="en-US" dirty="0"/>
             </a:br>
@@ -4747,7 +4731,6 @@
               <a:rPr lang="ko-KR" altLang="en-US" dirty="0"/>
               <a:t>装備</a:t>
             </a:r>
-            <a:endParaRPr lang="ko-KR" altLang="en-US" dirty="0"/>
           </a:p>
         </p:txBody>
       </p:sp>
@@ -4934,7 +4917,6 @@
               <a:rPr lang="ko-KR" altLang="en-US" dirty="0"/>
               <a:t>表示</a:t>
             </a:r>
-            <a:endParaRPr lang="ko-KR" altLang="en-US" dirty="0"/>
           </a:p>
         </p:txBody>
       </p:sp>
@@ -5100,10 +5082,6 @@
               <a:rPr lang="ja-JP" altLang="en-US" dirty="0"/>
               <a:t>形</a:t>
             </a:r>
-            <a:r>
-              <a:rPr lang="ja-JP" altLang="en-US" dirty="0"/>
-              <a:t/>
-            </a:r>
             <a:br>
               <a:rPr lang="ja-JP" altLang="en-US" dirty="0"/>
             </a:br>
@@ -5210,7 +5188,6 @@
               <a:rPr lang="ko-KR" altLang="en-US" dirty="0"/>
               <a:t>種類</a:t>
             </a:r>
-            <a:endParaRPr lang="ko-KR" altLang="en-US" dirty="0"/>
           </a:p>
         </p:txBody>
       </p:sp>
@@ -5401,7 +5378,6 @@
               <a:rPr lang="ko-KR" altLang="en-US" dirty="0"/>
               <a:t>表示</a:t>
             </a:r>
-            <a:endParaRPr lang="ko-KR" altLang="en-US" dirty="0"/>
           </a:p>
         </p:txBody>
       </p:sp>
@@ -5976,7 +5952,6 @@
               <a:rPr lang="ko-KR" altLang="en-US" dirty="0"/>
               <a:t>写真</a:t>
             </a:r>
-            <a:endParaRPr lang="ko-KR" altLang="en-US" dirty="0"/>
           </a:p>
         </p:txBody>
       </p:sp>
@@ -6026,7 +6001,6 @@
               <a:rPr lang="ko-KR" altLang="en-US" sz="1100" dirty="0"/>
               <a:t>文題</a:t>
             </a:r>
-            <a:endParaRPr lang="ko-KR" altLang="en-US" sz="1100" dirty="0"/>
           </a:p>
         </p:txBody>
       </p:sp>
@@ -6075,7 +6049,6 @@
               <a:rPr lang="ko-KR" altLang="en-US" dirty="0"/>
               <a:t>記事</a:t>
             </a:r>
-            <a:endParaRPr lang="ko-KR" altLang="en-US" dirty="0"/>
           </a:p>
         </p:txBody>
       </p:sp>
@@ -6303,11 +6276,7 @@
           <a:p>
             <a:r>
               <a:rPr lang="en-US" altLang="ko-KR" dirty="0" smtClean="0"/>
-              <a:t>3</a:t>
-            </a:r>
-            <a:r>
-              <a:rPr lang="en-US" altLang="ko-KR" dirty="0" smtClean="0"/>
-              <a:t>. </a:t>
+              <a:t>3. </a:t>
             </a:r>
             <a:r>
               <a:rPr lang="ja-JP" altLang="en-US" sz="3200" dirty="0"/>
@@ -6931,11 +6900,7 @@
           <a:p>
             <a:r>
               <a:rPr lang="en-US" altLang="ko-KR" dirty="0" smtClean="0"/>
-              <a:t>3</a:t>
-            </a:r>
-            <a:r>
-              <a:rPr lang="en-US" altLang="ko-KR" dirty="0" smtClean="0"/>
-              <a:t>. </a:t>
+              <a:t>3. </a:t>
             </a:r>
             <a:r>
               <a:rPr lang="ja-JP" altLang="en-US" sz="3200" dirty="0"/>
@@ -7431,7 +7396,6 @@
               <a:rPr lang="ko-KR" altLang="en-US" dirty="0"/>
               <a:t>偏角</a:t>
             </a:r>
-            <a:endParaRPr lang="ko-KR" altLang="en-US" dirty="0"/>
           </a:p>
         </p:txBody>
       </p:sp>
